--- a/SICUREZZA INFORMATICA E INTERNET/MATERIALE CORSO/43-tresh-crypt.pptx
+++ b/SICUREZZA INFORMATICA E INTERNET/MATERIALE CORSO/43-tresh-crypt.pptx
@@ -25306,9 +25306,9 @@
 </file>
 
 <file path=customXml/item1.xml><?xml version="1.0" encoding="utf-8"?>
-<ct:contentTypeSchema xmlns:ct="http://schemas.microsoft.com/office/2006/metadata/contentType" xmlns:ma="http://schemas.microsoft.com/office/2006/metadata/properties/metaAttributes" ct:_="" ma:_="" ma:contentTypeName="Documento" ma:contentTypeID="0x010100F2781951D3CFA64AA3493CD3E6442C76" ma:contentTypeVersion="4" ma:contentTypeDescription="Creare un nuovo documento." ma:contentTypeScope="" ma:versionID="a36c6b2f7fcd373cb8b64cdfd812e698">
-  <xsd:schema xmlns:xsd="http://www.w3.org/2001/XMLSchema" xmlns:xs="http://www.w3.org/2001/XMLSchema" xmlns:p="http://schemas.microsoft.com/office/2006/metadata/properties" xmlns:ns2="aae43852-53e9-4813-a3db-c50f0e7934bf" targetNamespace="http://schemas.microsoft.com/office/2006/metadata/properties" ma:root="true" ma:fieldsID="b16886be2dba503720a39a8063f8acf3" ns2:_="">
-    <xsd:import namespace="aae43852-53e9-4813-a3db-c50f0e7934bf"/>
+<ct:contentTypeSchema xmlns:ct="http://schemas.microsoft.com/office/2006/metadata/contentType" xmlns:ma="http://schemas.microsoft.com/office/2006/metadata/properties/metaAttributes" ct:_="" ma:_="" ma:contentTypeName="Documento" ma:contentTypeID="0x010100E3E8458D254D7543B8EE0336155E759B" ma:contentTypeVersion="6" ma:contentTypeDescription="Creare un nuovo documento." ma:contentTypeScope="" ma:versionID="634e05960707776122f6c34782d58d55">
+  <xsd:schema xmlns:xsd="http://www.w3.org/2001/XMLSchema" xmlns:xs="http://www.w3.org/2001/XMLSchema" xmlns:p="http://schemas.microsoft.com/office/2006/metadata/properties" xmlns:ns2="2154ac9b-a8e0-4f77-b94d-78f05534efde" targetNamespace="http://schemas.microsoft.com/office/2006/metadata/properties" ma:root="true" ma:fieldsID="550181c30c827cd1adfb638e20e39b69" ns2:_="">
+    <xsd:import namespace="2154ac9b-a8e0-4f77-b94d-78f05534efde"/>
     <xsd:element name="properties">
       <xsd:complexType>
         <xsd:sequence>
@@ -25319,6 +25319,8 @@
                 <xsd:element ref="ns2:MediaServiceFastMetadata" minOccurs="0"/>
                 <xsd:element ref="ns2:MediaServiceSearchProperties" minOccurs="0"/>
                 <xsd:element ref="ns2:MediaServiceObjectDetectorVersions" minOccurs="0"/>
+                <xsd:element ref="ns2:MediaServiceGenerationTime" minOccurs="0"/>
+                <xsd:element ref="ns2:MediaServiceEventHashCode" minOccurs="0"/>
               </xsd:all>
             </xsd:complexType>
           </xsd:element>
@@ -25326,7 +25328,7 @@
       </xsd:complexType>
     </xsd:element>
   </xsd:schema>
-  <xsd:schema xmlns:xsd="http://www.w3.org/2001/XMLSchema" xmlns:xs="http://www.w3.org/2001/XMLSchema" xmlns:dms="http://schemas.microsoft.com/office/2006/documentManagement/types" xmlns:pc="http://schemas.microsoft.com/office/infopath/2007/PartnerControls" targetNamespace="aae43852-53e9-4813-a3db-c50f0e7934bf" elementFormDefault="qualified">
+  <xsd:schema xmlns:xsd="http://www.w3.org/2001/XMLSchema" xmlns:xs="http://www.w3.org/2001/XMLSchema" xmlns:dms="http://schemas.microsoft.com/office/2006/documentManagement/types" xmlns:pc="http://schemas.microsoft.com/office/infopath/2007/PartnerControls" targetNamespace="2154ac9b-a8e0-4f77-b94d-78f05534efde" elementFormDefault="qualified">
     <xsd:import namespace="http://schemas.microsoft.com/office/2006/documentManagement/types"/>
     <xsd:import namespace="http://schemas.microsoft.com/office/infopath/2007/PartnerControls"/>
     <xsd:element name="MediaServiceMetadata" ma:index="8" nillable="true" ma:displayName="MediaServiceMetadata" ma:hidden="true" ma:internalName="MediaServiceMetadata" ma:readOnly="true">
@@ -25345,6 +25347,16 @@
       </xsd:simpleType>
     </xsd:element>
     <xsd:element name="MediaServiceObjectDetectorVersions" ma:index="11" nillable="true" ma:displayName="MediaServiceObjectDetectorVersions" ma:hidden="true" ma:indexed="true" ma:internalName="MediaServiceObjectDetectorVersions" ma:readOnly="true">
+      <xsd:simpleType>
+        <xsd:restriction base="dms:Text"/>
+      </xsd:simpleType>
+    </xsd:element>
+    <xsd:element name="MediaServiceGenerationTime" ma:index="12" nillable="true" ma:displayName="MediaServiceGenerationTime" ma:hidden="true" ma:internalName="MediaServiceGenerationTime" ma:readOnly="true">
+      <xsd:simpleType>
+        <xsd:restriction base="dms:Text"/>
+      </xsd:simpleType>
+    </xsd:element>
+    <xsd:element name="MediaServiceEventHashCode" ma:index="13" nillable="true" ma:displayName="MediaServiceEventHashCode" ma:hidden="true" ma:internalName="MediaServiceEventHashCode" ma:readOnly="true">
       <xsd:simpleType>
         <xsd:restriction base="dms:Text"/>
       </xsd:simpleType>
@@ -25465,13 +25477,13 @@
 </file>
 
 <file path=customXml/itemProps1.xml><?xml version="1.0" encoding="utf-8"?>
-<ds:datastoreItem xmlns:ds="http://schemas.openxmlformats.org/officeDocument/2006/customXml" ds:itemID="{159AF516-0CE8-4D02-9B5B-227EB253FA42}"/>
+<ds:datastoreItem xmlns:ds="http://schemas.openxmlformats.org/officeDocument/2006/customXml" ds:itemID="{31860640-E6A9-415D-8E95-0B643178FB43}"/>
 </file>
 
 <file path=customXml/itemProps2.xml><?xml version="1.0" encoding="utf-8"?>
-<ds:datastoreItem xmlns:ds="http://schemas.openxmlformats.org/officeDocument/2006/customXml" ds:itemID="{C442EC60-4988-45B9-AD70-FA0007ABCF41}"/>
+<ds:datastoreItem xmlns:ds="http://schemas.openxmlformats.org/officeDocument/2006/customXml" ds:itemID="{EB5BEDB0-F914-4C3C-8E15-9202EB22CF65}"/>
 </file>
 
 <file path=customXml/itemProps3.xml><?xml version="1.0" encoding="utf-8"?>
-<ds:datastoreItem xmlns:ds="http://schemas.openxmlformats.org/officeDocument/2006/customXml" ds:itemID="{5AB087AD-C75D-4168-99D4-4CFA9DCC987A}"/>
+<ds:datastoreItem xmlns:ds="http://schemas.openxmlformats.org/officeDocument/2006/customXml" ds:itemID="{52843CDF-389B-4331-ADE4-888111EBCEED}"/>
 </file>